--- a/中越詩歌/樂韻分享_Giai điệu chia sẻ.pptx
+++ b/中越詩歌/樂韻分享_Giai điệu chia sẻ.pptx
@@ -134,6 +134,11 @@
       </a:defRPr>
     </a:lvl9pPr>
   </p:defaultTextStyle>
+  <p:extLst>
+    <p:ext uri="{EFAFB233-063F-42B5-8137-9DF3F51BA10A}">
+      <p15:sldGuideLst xmlns:p15="http://schemas.microsoft.com/office/powerpoint/2012/main"/>
+    </p:ext>
+  </p:extLst>
 </p:presentation>
 </file>
 
@@ -318,7 +323,7 @@
           <a:p>
             <a:fld id="{DA0781C6-0886-4F1B-831C-B67B12D21FA7}" type="datetimeFigureOut">
               <a:rPr lang="en-US" smtClean="0"/>
-              <a:t>9/23/2023</a:t>
+              <a:t>10/28/2023</a:t>
             </a:fld>
             <a:endParaRPr lang="en-US"/>
           </a:p>
@@ -488,7 +493,7 @@
           <a:p>
             <a:fld id="{DA0781C6-0886-4F1B-831C-B67B12D21FA7}" type="datetimeFigureOut">
               <a:rPr lang="en-US" smtClean="0"/>
-              <a:t>9/23/2023</a:t>
+              <a:t>10/28/2023</a:t>
             </a:fld>
             <a:endParaRPr lang="en-US"/>
           </a:p>
@@ -668,7 +673,7 @@
           <a:p>
             <a:fld id="{DA0781C6-0886-4F1B-831C-B67B12D21FA7}" type="datetimeFigureOut">
               <a:rPr lang="en-US" smtClean="0"/>
-              <a:t>9/23/2023</a:t>
+              <a:t>10/28/2023</a:t>
             </a:fld>
             <a:endParaRPr lang="en-US"/>
           </a:p>
@@ -838,7 +843,7 @@
           <a:p>
             <a:fld id="{DA0781C6-0886-4F1B-831C-B67B12D21FA7}" type="datetimeFigureOut">
               <a:rPr lang="en-US" smtClean="0"/>
-              <a:t>9/23/2023</a:t>
+              <a:t>10/28/2023</a:t>
             </a:fld>
             <a:endParaRPr lang="en-US"/>
           </a:p>
@@ -1084,7 +1089,7 @@
           <a:p>
             <a:fld id="{DA0781C6-0886-4F1B-831C-B67B12D21FA7}" type="datetimeFigureOut">
               <a:rPr lang="en-US" smtClean="0"/>
-              <a:t>9/23/2023</a:t>
+              <a:t>10/28/2023</a:t>
             </a:fld>
             <a:endParaRPr lang="en-US"/>
           </a:p>
@@ -1372,7 +1377,7 @@
           <a:p>
             <a:fld id="{DA0781C6-0886-4F1B-831C-B67B12D21FA7}" type="datetimeFigureOut">
               <a:rPr lang="en-US" smtClean="0"/>
-              <a:t>9/23/2023</a:t>
+              <a:t>10/28/2023</a:t>
             </a:fld>
             <a:endParaRPr lang="en-US"/>
           </a:p>
@@ -1794,7 +1799,7 @@
           <a:p>
             <a:fld id="{DA0781C6-0886-4F1B-831C-B67B12D21FA7}" type="datetimeFigureOut">
               <a:rPr lang="en-US" smtClean="0"/>
-              <a:t>9/23/2023</a:t>
+              <a:t>10/28/2023</a:t>
             </a:fld>
             <a:endParaRPr lang="en-US"/>
           </a:p>
@@ -1912,7 +1917,7 @@
           <a:p>
             <a:fld id="{DA0781C6-0886-4F1B-831C-B67B12D21FA7}" type="datetimeFigureOut">
               <a:rPr lang="en-US" smtClean="0"/>
-              <a:t>9/23/2023</a:t>
+              <a:t>10/28/2023</a:t>
             </a:fld>
             <a:endParaRPr lang="en-US"/>
           </a:p>
@@ -2007,7 +2012,7 @@
           <a:p>
             <a:fld id="{DA0781C6-0886-4F1B-831C-B67B12D21FA7}" type="datetimeFigureOut">
               <a:rPr lang="en-US" smtClean="0"/>
-              <a:t>9/23/2023</a:t>
+              <a:t>10/28/2023</a:t>
             </a:fld>
             <a:endParaRPr lang="en-US"/>
           </a:p>
@@ -2284,7 +2289,7 @@
           <a:p>
             <a:fld id="{DA0781C6-0886-4F1B-831C-B67B12D21FA7}" type="datetimeFigureOut">
               <a:rPr lang="en-US" smtClean="0"/>
-              <a:t>9/23/2023</a:t>
+              <a:t>10/28/2023</a:t>
             </a:fld>
             <a:endParaRPr lang="en-US"/>
           </a:p>
@@ -2541,7 +2546,7 @@
           <a:p>
             <a:fld id="{DA0781C6-0886-4F1B-831C-B67B12D21FA7}" type="datetimeFigureOut">
               <a:rPr lang="en-US" smtClean="0"/>
-              <a:t>9/23/2023</a:t>
+              <a:t>10/28/2023</a:t>
             </a:fld>
             <a:endParaRPr lang="en-US"/>
           </a:p>
@@ -2759,7 +2764,7 @@
           <a:p>
             <a:fld id="{DA0781C6-0886-4F1B-831C-B67B12D21FA7}" type="datetimeFigureOut">
               <a:rPr lang="en-US" smtClean="0"/>
-              <a:t>9/23/2023</a:t>
+              <a:t>10/28/2023</a:t>
             </a:fld>
             <a:endParaRPr lang="en-US"/>
           </a:p>
@@ -3171,24 +3176,7 @@
                 <a:latin typeface="微軟正黑體" pitchFamily="34" charset="-120"/>
                 <a:ea typeface="微軟正黑體" pitchFamily="34" charset="-120"/>
               </a:rPr>
-              <a:t>樂</a:t>
-            </a:r>
-            <a:r>
-              <a:rPr lang="zh-CN" altLang="en-US" sz="7200" b="1" i="1" dirty="0">
-                <a:solidFill>
-                  <a:srgbClr val="000066"/>
-                </a:solidFill>
-                <a:effectLst>
-                  <a:outerShdw blurRad="38100" dist="38100" dir="2700000" algn="tl">
-                    <a:srgbClr val="000000">
-                      <a:alpha val="43137"/>
-                    </a:srgbClr>
-                  </a:outerShdw>
-                </a:effectLst>
-                <a:latin typeface="微軟正黑體" pitchFamily="34" charset="-120"/>
-                <a:ea typeface="微軟正黑體" pitchFamily="34" charset="-120"/>
-              </a:rPr>
-              <a:t>韻分享</a:t>
+              <a:t>樂韻分享</a:t>
             </a:r>
             <a:endParaRPr lang="zh-TW" altLang="en-US" sz="7200" b="1" i="1" dirty="0">
               <a:solidFill>
@@ -3419,27 +3407,7 @@
                 <a:latin typeface="微軟正黑體" pitchFamily="34" charset="-120"/>
                 <a:ea typeface="微軟正黑體" pitchFamily="34" charset="-120"/>
               </a:rPr>
-              <a:t>學了聖經教</a:t>
-            </a:r>
-            <a:r>
-              <a:rPr lang="zh-TW" altLang="en-US" sz="6400" b="1" dirty="0">
-                <a:solidFill>
-                  <a:srgbClr val="000066"/>
-                </a:solidFill>
-                <a:latin typeface="微軟正黑體" pitchFamily="34" charset="-120"/>
-                <a:ea typeface="微軟正黑體" pitchFamily="34" charset="-120"/>
-              </a:rPr>
-              <a:t>訓  實</a:t>
-            </a:r>
-            <a:r>
-              <a:rPr lang="zh-TW" altLang="en-US" sz="6400" b="1" dirty="0">
-                <a:solidFill>
-                  <a:srgbClr val="000066"/>
-                </a:solidFill>
-                <a:latin typeface="微軟正黑體" pitchFamily="34" charset="-120"/>
-                <a:ea typeface="微軟正黑體" pitchFamily="34" charset="-120"/>
-              </a:rPr>
-              <a:t>踐愛心</a:t>
+              <a:t>學了聖經教訓  實踐愛心</a:t>
             </a:r>
             <a:endParaRPr lang="zh-CN" altLang="zh-TW" sz="6400" b="1" dirty="0">
               <a:solidFill>
@@ -3665,25 +3633,7 @@
                 </a:solidFill>
                 <a:ea typeface="Microsoft JhengHei" panose="020B0604030504040204" pitchFamily="34" charset="-120"/>
               </a:rPr>
-              <a:t>( 1 / </a:t>
-            </a:r>
-            <a:r>
-              <a:rPr lang="en-US" sz="3200" b="1" dirty="0">
-                <a:solidFill>
-                  <a:srgbClr val="000066"/>
-                </a:solidFill>
-                <a:ea typeface="Microsoft JhengHei" panose="020B0604030504040204" pitchFamily="34" charset="-120"/>
-              </a:rPr>
-              <a:t>3 </a:t>
-            </a:r>
-            <a:r>
-              <a:rPr lang="en-US" sz="3200" b="1" dirty="0">
-                <a:solidFill>
-                  <a:srgbClr val="000066"/>
-                </a:solidFill>
-                <a:ea typeface="Microsoft JhengHei" panose="020B0604030504040204" pitchFamily="34" charset="-120"/>
-              </a:rPr>
-              <a:t>)</a:t>
+              <a:t>( 1 / 3 )</a:t>
             </a:r>
             <a:endParaRPr lang="vi-VN" sz="3200" b="1" dirty="0">
               <a:solidFill>
@@ -3983,25 +3933,7 @@
                 </a:solidFill>
                 <a:ea typeface="Microsoft JhengHei" panose="020B0604030504040204" pitchFamily="34" charset="-120"/>
               </a:rPr>
-              <a:t>( 1 / </a:t>
-            </a:r>
-            <a:r>
-              <a:rPr lang="en-US" sz="3200" b="1" dirty="0">
-                <a:solidFill>
-                  <a:srgbClr val="000066"/>
-                </a:solidFill>
-                <a:ea typeface="Microsoft JhengHei" panose="020B0604030504040204" pitchFamily="34" charset="-120"/>
-              </a:rPr>
-              <a:t>3 </a:t>
-            </a:r>
-            <a:r>
-              <a:rPr lang="en-US" sz="3200" b="1" dirty="0">
-                <a:solidFill>
-                  <a:srgbClr val="000066"/>
-                </a:solidFill>
-                <a:ea typeface="Microsoft JhengHei" panose="020B0604030504040204" pitchFamily="34" charset="-120"/>
-              </a:rPr>
-              <a:t>)</a:t>
+              <a:t>( 1 / 3 )</a:t>
             </a:r>
             <a:endParaRPr lang="vi-VN" sz="3200" b="1" dirty="0">
               <a:solidFill>
@@ -4258,7 +4190,7 @@
                 <a:ea typeface="微軟正黑體" pitchFamily="34" charset="-120"/>
                 <a:cs typeface="Calibri" panose="020F0502020204030204" pitchFamily="34" charset="0"/>
               </a:rPr>
-              <a:t>Lòng</a:t>
+              <a:t>Đừng</a:t>
             </a:r>
             <a:r>
               <a:rPr lang="en-US" sz="4000" b="1" dirty="0">
@@ -4269,6 +4201,50 @@
                 <a:ea typeface="微軟正黑體" pitchFamily="34" charset="-120"/>
                 <a:cs typeface="Calibri" panose="020F0502020204030204" pitchFamily="34" charset="0"/>
               </a:rPr>
+              <a:t> u </a:t>
+            </a:r>
+            <a:r>
+              <a:rPr lang="en-US" sz="4000" b="1" dirty="0" err="1">
+                <a:solidFill>
+                  <a:srgbClr val="660033"/>
+                </a:solidFill>
+                <a:latin typeface="Calibri" panose="020F0502020204030204" pitchFamily="34" charset="0"/>
+                <a:ea typeface="微軟正黑體" pitchFamily="34" charset="-120"/>
+                <a:cs typeface="Calibri" panose="020F0502020204030204" pitchFamily="34" charset="0"/>
+              </a:rPr>
+              <a:t>buồn</a:t>
+            </a:r>
+            <a:r>
+              <a:rPr lang="en-US" sz="4000" b="1" dirty="0">
+                <a:solidFill>
+                  <a:srgbClr val="660033"/>
+                </a:solidFill>
+                <a:latin typeface="Calibri" panose="020F0502020204030204" pitchFamily="34" charset="0"/>
+                <a:ea typeface="微軟正黑體" pitchFamily="34" charset="-120"/>
+                <a:cs typeface="Calibri" panose="020F0502020204030204" pitchFamily="34" charset="0"/>
+              </a:rPr>
+              <a:t>, </a:t>
+            </a:r>
+            <a:r>
+              <a:rPr lang="en-US" sz="4000" b="1" dirty="0" err="1">
+                <a:solidFill>
+                  <a:srgbClr val="660033"/>
+                </a:solidFill>
+                <a:latin typeface="Calibri" panose="020F0502020204030204" pitchFamily="34" charset="0"/>
+                <a:ea typeface="微軟正黑體" pitchFamily="34" charset="-120"/>
+                <a:cs typeface="Calibri" panose="020F0502020204030204" pitchFamily="34" charset="0"/>
+              </a:rPr>
+              <a:t>và</a:t>
+            </a:r>
+            <a:r>
+              <a:rPr lang="en-US" sz="4000" b="1" dirty="0">
+                <a:solidFill>
+                  <a:srgbClr val="660033"/>
+                </a:solidFill>
+                <a:latin typeface="Calibri" panose="020F0502020204030204" pitchFamily="34" charset="0"/>
+                <a:ea typeface="微軟正黑體" pitchFamily="34" charset="-120"/>
+                <a:cs typeface="Calibri" panose="020F0502020204030204" pitchFamily="34" charset="0"/>
+              </a:rPr>
               <a:t> </a:t>
             </a:r>
             <a:r>
@@ -4280,7 +4256,7 @@
                 <a:ea typeface="微軟正黑體" pitchFamily="34" charset="-120"/>
                 <a:cs typeface="Calibri" panose="020F0502020204030204" pitchFamily="34" charset="0"/>
               </a:rPr>
-              <a:t>tôi</a:t>
+              <a:t>đừng</a:t>
             </a:r>
             <a:r>
               <a:rPr lang="en-US" sz="4000" b="1" dirty="0">
@@ -4302,7 +4278,7 @@
                 <a:ea typeface="微軟正黑體" pitchFamily="34" charset="-120"/>
                 <a:cs typeface="Calibri" panose="020F0502020204030204" pitchFamily="34" charset="0"/>
               </a:rPr>
-              <a:t>hân</a:t>
+              <a:t>hoảng</a:t>
             </a:r>
             <a:r>
               <a:rPr lang="en-US" sz="4000" b="1" dirty="0">
@@ -4324,95 +4300,7 @@
                 <a:ea typeface="微軟正黑體" pitchFamily="34" charset="-120"/>
                 <a:cs typeface="Calibri" panose="020F0502020204030204" pitchFamily="34" charset="0"/>
               </a:rPr>
-              <a:t>hoan</a:t>
-            </a:r>
-            <a:r>
-              <a:rPr lang="en-US" sz="4000" b="1" dirty="0">
-                <a:solidFill>
-                  <a:srgbClr val="660033"/>
-                </a:solidFill>
-                <a:latin typeface="Calibri" panose="020F0502020204030204" pitchFamily="34" charset="0"/>
-                <a:ea typeface="微軟正黑體" pitchFamily="34" charset="-120"/>
-                <a:cs typeface="Calibri" panose="020F0502020204030204" pitchFamily="34" charset="0"/>
-              </a:rPr>
-              <a:t>, </a:t>
-            </a:r>
-            <a:r>
-              <a:rPr lang="en-US" sz="4000" b="1" dirty="0" err="1">
-                <a:solidFill>
-                  <a:srgbClr val="660033"/>
-                </a:solidFill>
-                <a:latin typeface="Calibri" panose="020F0502020204030204" pitchFamily="34" charset="0"/>
-                <a:ea typeface="微軟正黑體" pitchFamily="34" charset="-120"/>
-                <a:cs typeface="Calibri" panose="020F0502020204030204" pitchFamily="34" charset="0"/>
-              </a:rPr>
-              <a:t>tim</a:t>
-            </a:r>
-            <a:r>
-              <a:rPr lang="en-US" sz="4000" b="1" dirty="0">
-                <a:solidFill>
-                  <a:srgbClr val="660033"/>
-                </a:solidFill>
-                <a:latin typeface="Calibri" panose="020F0502020204030204" pitchFamily="34" charset="0"/>
-                <a:ea typeface="微軟正黑體" pitchFamily="34" charset="-120"/>
-                <a:cs typeface="Calibri" panose="020F0502020204030204" pitchFamily="34" charset="0"/>
-              </a:rPr>
-              <a:t> </a:t>
-            </a:r>
-            <a:r>
-              <a:rPr lang="en-US" sz="4000" b="1" dirty="0" err="1">
-                <a:solidFill>
-                  <a:srgbClr val="660033"/>
-                </a:solidFill>
-                <a:latin typeface="Calibri" panose="020F0502020204030204" pitchFamily="34" charset="0"/>
-                <a:ea typeface="微軟正黑體" pitchFamily="34" charset="-120"/>
-                <a:cs typeface="Calibri" panose="020F0502020204030204" pitchFamily="34" charset="0"/>
-              </a:rPr>
-              <a:t>tôi</a:t>
-            </a:r>
-            <a:r>
-              <a:rPr lang="en-US" sz="4000" b="1" dirty="0">
-                <a:solidFill>
-                  <a:srgbClr val="660033"/>
-                </a:solidFill>
-                <a:latin typeface="Calibri" panose="020F0502020204030204" pitchFamily="34" charset="0"/>
-                <a:ea typeface="微軟正黑體" pitchFamily="34" charset="-120"/>
-                <a:cs typeface="Calibri" panose="020F0502020204030204" pitchFamily="34" charset="0"/>
-              </a:rPr>
-              <a:t> </a:t>
-            </a:r>
-            <a:r>
-              <a:rPr lang="en-US" sz="4000" b="1" dirty="0" err="1">
-                <a:solidFill>
-                  <a:srgbClr val="660033"/>
-                </a:solidFill>
-                <a:latin typeface="Calibri" panose="020F0502020204030204" pitchFamily="34" charset="0"/>
-                <a:ea typeface="微軟正黑體" pitchFamily="34" charset="-120"/>
-                <a:cs typeface="Calibri" panose="020F0502020204030204" pitchFamily="34" charset="0"/>
-              </a:rPr>
-              <a:t>háo</a:t>
-            </a:r>
-            <a:r>
-              <a:rPr lang="en-US" sz="4000" b="1" dirty="0">
-                <a:solidFill>
-                  <a:srgbClr val="660033"/>
-                </a:solidFill>
-                <a:latin typeface="Calibri" panose="020F0502020204030204" pitchFamily="34" charset="0"/>
-                <a:ea typeface="微軟正黑體" pitchFamily="34" charset="-120"/>
-                <a:cs typeface="Calibri" panose="020F0502020204030204" pitchFamily="34" charset="0"/>
-              </a:rPr>
-              <a:t> </a:t>
-            </a:r>
-            <a:r>
-              <a:rPr lang="en-US" sz="4000" b="1" dirty="0" err="1">
-                <a:solidFill>
-                  <a:srgbClr val="660033"/>
-                </a:solidFill>
-                <a:latin typeface="Calibri" panose="020F0502020204030204" pitchFamily="34" charset="0"/>
-                <a:ea typeface="微軟正黑體" pitchFamily="34" charset="-120"/>
-                <a:cs typeface="Calibri" panose="020F0502020204030204" pitchFamily="34" charset="0"/>
-              </a:rPr>
-              <a:t>hức</a:t>
+              <a:t>hốt</a:t>
             </a:r>
             <a:endParaRPr lang="en-US" sz="4000" b="1" dirty="0">
               <a:solidFill>
@@ -4455,43 +4343,7 @@
                 </a:solidFill>
                 <a:ea typeface="Microsoft JhengHei" panose="020B0604030504040204" pitchFamily="34" charset="-120"/>
               </a:rPr>
-              <a:t>( </a:t>
-            </a:r>
-            <a:r>
-              <a:rPr lang="en-US" sz="3200" b="1" dirty="0">
-                <a:solidFill>
-                  <a:srgbClr val="000066"/>
-                </a:solidFill>
-                <a:ea typeface="Microsoft JhengHei" panose="020B0604030504040204" pitchFamily="34" charset="-120"/>
-              </a:rPr>
-              <a:t>2 </a:t>
-            </a:r>
-            <a:r>
-              <a:rPr lang="en-US" sz="3200" b="1" dirty="0">
-                <a:solidFill>
-                  <a:srgbClr val="000066"/>
-                </a:solidFill>
-                <a:ea typeface="Microsoft JhengHei" panose="020B0604030504040204" pitchFamily="34" charset="-120"/>
-              </a:rPr>
-              <a:t>/ </a:t>
-            </a:r>
-            <a:r>
-              <a:rPr lang="en-US" sz="3200" b="1" dirty="0">
-                <a:solidFill>
-                  <a:srgbClr val="000066"/>
-                </a:solidFill>
-                <a:ea typeface="Microsoft JhengHei" panose="020B0604030504040204" pitchFamily="34" charset="-120"/>
-              </a:rPr>
-              <a:t>3 </a:t>
-            </a:r>
-            <a:r>
-              <a:rPr lang="en-US" sz="3200" b="1" dirty="0">
-                <a:solidFill>
-                  <a:srgbClr val="000066"/>
-                </a:solidFill>
-                <a:ea typeface="Microsoft JhengHei" panose="020B0604030504040204" pitchFamily="34" charset="-120"/>
-              </a:rPr>
-              <a:t>)</a:t>
+              <a:t>( 2 / 3 )</a:t>
             </a:r>
             <a:endParaRPr lang="vi-VN" sz="3200" b="1" dirty="0">
               <a:solidFill>
@@ -4926,43 +4778,7 @@
                 </a:solidFill>
                 <a:ea typeface="Microsoft JhengHei" panose="020B0604030504040204" pitchFamily="34" charset="-120"/>
               </a:rPr>
-              <a:t>( </a:t>
-            </a:r>
-            <a:r>
-              <a:rPr lang="en-US" sz="3200" b="1" dirty="0">
-                <a:solidFill>
-                  <a:srgbClr val="000066"/>
-                </a:solidFill>
-                <a:ea typeface="Microsoft JhengHei" panose="020B0604030504040204" pitchFamily="34" charset="-120"/>
-              </a:rPr>
-              <a:t>2 </a:t>
-            </a:r>
-            <a:r>
-              <a:rPr lang="en-US" sz="3200" b="1" dirty="0">
-                <a:solidFill>
-                  <a:srgbClr val="000066"/>
-                </a:solidFill>
-                <a:ea typeface="Microsoft JhengHei" panose="020B0604030504040204" pitchFamily="34" charset="-120"/>
-              </a:rPr>
-              <a:t>/ </a:t>
-            </a:r>
-            <a:r>
-              <a:rPr lang="en-US" sz="3200" b="1" dirty="0">
-                <a:solidFill>
-                  <a:srgbClr val="000066"/>
-                </a:solidFill>
-                <a:ea typeface="Microsoft JhengHei" panose="020B0604030504040204" pitchFamily="34" charset="-120"/>
-              </a:rPr>
-              <a:t>3 </a:t>
-            </a:r>
-            <a:r>
-              <a:rPr lang="en-US" sz="3200" b="1" dirty="0">
-                <a:solidFill>
-                  <a:srgbClr val="000066"/>
-                </a:solidFill>
-                <a:ea typeface="Microsoft JhengHei" panose="020B0604030504040204" pitchFamily="34" charset="-120"/>
-              </a:rPr>
-              <a:t>)</a:t>
+              <a:t>( 2 / 3 )</a:t>
             </a:r>
             <a:endParaRPr lang="vi-VN" sz="3200" b="1" dirty="0">
               <a:solidFill>
@@ -5471,43 +5287,7 @@
                 </a:solidFill>
                 <a:ea typeface="Microsoft JhengHei" panose="020B0604030504040204" pitchFamily="34" charset="-120"/>
               </a:rPr>
-              <a:t>( </a:t>
-            </a:r>
-            <a:r>
-              <a:rPr lang="en-US" sz="3200" b="1" dirty="0">
-                <a:solidFill>
-                  <a:srgbClr val="000066"/>
-                </a:solidFill>
-                <a:ea typeface="Microsoft JhengHei" panose="020B0604030504040204" pitchFamily="34" charset="-120"/>
-              </a:rPr>
-              <a:t>2 </a:t>
-            </a:r>
-            <a:r>
-              <a:rPr lang="en-US" sz="3200" b="1" dirty="0">
-                <a:solidFill>
-                  <a:srgbClr val="000066"/>
-                </a:solidFill>
-                <a:ea typeface="Microsoft JhengHei" panose="020B0604030504040204" pitchFamily="34" charset="-120"/>
-              </a:rPr>
-              <a:t>/ </a:t>
-            </a:r>
-            <a:r>
-              <a:rPr lang="en-US" sz="3200" b="1" dirty="0">
-                <a:solidFill>
-                  <a:srgbClr val="000066"/>
-                </a:solidFill>
-                <a:ea typeface="Microsoft JhengHei" panose="020B0604030504040204" pitchFamily="34" charset="-120"/>
-              </a:rPr>
-              <a:t>3 </a:t>
-            </a:r>
-            <a:r>
-              <a:rPr lang="en-US" sz="3200" b="1" dirty="0">
-                <a:solidFill>
-                  <a:srgbClr val="000066"/>
-                </a:solidFill>
-                <a:ea typeface="Microsoft JhengHei" panose="020B0604030504040204" pitchFamily="34" charset="-120"/>
-              </a:rPr>
-              <a:t>)</a:t>
+              <a:t>( 2 / 3 )</a:t>
             </a:r>
             <a:endParaRPr lang="vi-VN" sz="3200" b="1" dirty="0">
               <a:solidFill>
@@ -5983,43 +5763,7 @@
                 </a:solidFill>
                 <a:ea typeface="Microsoft JhengHei" panose="020B0604030504040204" pitchFamily="34" charset="-120"/>
               </a:rPr>
-              <a:t>( </a:t>
-            </a:r>
-            <a:r>
-              <a:rPr lang="en-US" sz="3200" b="1" dirty="0">
-                <a:solidFill>
-                  <a:srgbClr val="000066"/>
-                </a:solidFill>
-                <a:ea typeface="Microsoft JhengHei" panose="020B0604030504040204" pitchFamily="34" charset="-120"/>
-              </a:rPr>
-              <a:t>2 </a:t>
-            </a:r>
-            <a:r>
-              <a:rPr lang="en-US" sz="3200" b="1" dirty="0">
-                <a:solidFill>
-                  <a:srgbClr val="000066"/>
-                </a:solidFill>
-                <a:ea typeface="Microsoft JhengHei" panose="020B0604030504040204" pitchFamily="34" charset="-120"/>
-              </a:rPr>
-              <a:t>/ </a:t>
-            </a:r>
-            <a:r>
-              <a:rPr lang="en-US" sz="3200" b="1" dirty="0">
-                <a:solidFill>
-                  <a:srgbClr val="000066"/>
-                </a:solidFill>
-                <a:ea typeface="Microsoft JhengHei" panose="020B0604030504040204" pitchFamily="34" charset="-120"/>
-              </a:rPr>
-              <a:t>3 </a:t>
-            </a:r>
-            <a:r>
-              <a:rPr lang="en-US" sz="3200" b="1" dirty="0">
-                <a:solidFill>
-                  <a:srgbClr val="000066"/>
-                </a:solidFill>
-                <a:ea typeface="Microsoft JhengHei" panose="020B0604030504040204" pitchFamily="34" charset="-120"/>
-              </a:rPr>
-              <a:t>)</a:t>
+              <a:t>( 2 / 3 )</a:t>
             </a:r>
             <a:endParaRPr lang="vi-VN" sz="3200" b="1" dirty="0">
               <a:solidFill>
@@ -6462,43 +6206,7 @@
                 </a:solidFill>
                 <a:ea typeface="Microsoft JhengHei" panose="020B0604030504040204" pitchFamily="34" charset="-120"/>
               </a:rPr>
-              <a:t>( </a:t>
-            </a:r>
-            <a:r>
-              <a:rPr lang="en-US" sz="3200" b="1" dirty="0">
-                <a:solidFill>
-                  <a:srgbClr val="000066"/>
-                </a:solidFill>
-                <a:ea typeface="Microsoft JhengHei" panose="020B0604030504040204" pitchFamily="34" charset="-120"/>
-              </a:rPr>
-              <a:t>2 </a:t>
-            </a:r>
-            <a:r>
-              <a:rPr lang="en-US" sz="3200" b="1" dirty="0">
-                <a:solidFill>
-                  <a:srgbClr val="000066"/>
-                </a:solidFill>
-                <a:ea typeface="Microsoft JhengHei" panose="020B0604030504040204" pitchFamily="34" charset="-120"/>
-              </a:rPr>
-              <a:t>/ </a:t>
-            </a:r>
-            <a:r>
-              <a:rPr lang="en-US" sz="3200" b="1" dirty="0">
-                <a:solidFill>
-                  <a:srgbClr val="000066"/>
-                </a:solidFill>
-                <a:ea typeface="Microsoft JhengHei" panose="020B0604030504040204" pitchFamily="34" charset="-120"/>
-              </a:rPr>
-              <a:t>3 </a:t>
-            </a:r>
-            <a:r>
-              <a:rPr lang="en-US" sz="3200" b="1" dirty="0">
-                <a:solidFill>
-                  <a:srgbClr val="000066"/>
-                </a:solidFill>
-                <a:ea typeface="Microsoft JhengHei" panose="020B0604030504040204" pitchFamily="34" charset="-120"/>
-              </a:rPr>
-              <a:t>)</a:t>
+              <a:t>( 2 / 3 )</a:t>
             </a:r>
             <a:endParaRPr lang="vi-VN" sz="3200" b="1" dirty="0">
               <a:solidFill>
@@ -6831,43 +6539,7 @@
                 </a:solidFill>
                 <a:ea typeface="Microsoft JhengHei" panose="020B0604030504040204" pitchFamily="34" charset="-120"/>
               </a:rPr>
-              <a:t>( </a:t>
-            </a:r>
-            <a:r>
-              <a:rPr lang="en-US" sz="3200" b="1" dirty="0">
-                <a:solidFill>
-                  <a:srgbClr val="000066"/>
-                </a:solidFill>
-                <a:ea typeface="Microsoft JhengHei" panose="020B0604030504040204" pitchFamily="34" charset="-120"/>
-              </a:rPr>
-              <a:t>2 </a:t>
-            </a:r>
-            <a:r>
-              <a:rPr lang="en-US" sz="3200" b="1" dirty="0">
-                <a:solidFill>
-                  <a:srgbClr val="000066"/>
-                </a:solidFill>
-                <a:ea typeface="Microsoft JhengHei" panose="020B0604030504040204" pitchFamily="34" charset="-120"/>
-              </a:rPr>
-              <a:t>/ </a:t>
-            </a:r>
-            <a:r>
-              <a:rPr lang="en-US" sz="3200" b="1" dirty="0">
-                <a:solidFill>
-                  <a:srgbClr val="000066"/>
-                </a:solidFill>
-                <a:ea typeface="Microsoft JhengHei" panose="020B0604030504040204" pitchFamily="34" charset="-120"/>
-              </a:rPr>
-              <a:t>3 </a:t>
-            </a:r>
-            <a:r>
-              <a:rPr lang="en-US" sz="3200" b="1" dirty="0">
-                <a:solidFill>
-                  <a:srgbClr val="000066"/>
-                </a:solidFill>
-                <a:ea typeface="Microsoft JhengHei" panose="020B0604030504040204" pitchFamily="34" charset="-120"/>
-              </a:rPr>
-              <a:t>)</a:t>
+              <a:t>( 2 / 3 )</a:t>
             </a:r>
             <a:endParaRPr lang="vi-VN" sz="3200" b="1" dirty="0">
               <a:solidFill>
@@ -7214,43 +6886,7 @@
                 </a:solidFill>
                 <a:ea typeface="Microsoft JhengHei" panose="020B0604030504040204" pitchFamily="34" charset="-120"/>
               </a:rPr>
-              <a:t>( </a:t>
-            </a:r>
-            <a:r>
-              <a:rPr lang="en-US" sz="3200" b="1" dirty="0">
-                <a:solidFill>
-                  <a:srgbClr val="000066"/>
-                </a:solidFill>
-                <a:ea typeface="Microsoft JhengHei" panose="020B0604030504040204" pitchFamily="34" charset="-120"/>
-              </a:rPr>
-              <a:t>2 </a:t>
-            </a:r>
-            <a:r>
-              <a:rPr lang="en-US" sz="3200" b="1" dirty="0">
-                <a:solidFill>
-                  <a:srgbClr val="000066"/>
-                </a:solidFill>
-                <a:ea typeface="Microsoft JhengHei" panose="020B0604030504040204" pitchFamily="34" charset="-120"/>
-              </a:rPr>
-              <a:t>/ </a:t>
-            </a:r>
-            <a:r>
-              <a:rPr lang="en-US" sz="3200" b="1" dirty="0">
-                <a:solidFill>
-                  <a:srgbClr val="000066"/>
-                </a:solidFill>
-                <a:ea typeface="Microsoft JhengHei" panose="020B0604030504040204" pitchFamily="34" charset="-120"/>
-              </a:rPr>
-              <a:t>3 </a:t>
-            </a:r>
-            <a:r>
-              <a:rPr lang="en-US" sz="3200" b="1" dirty="0">
-                <a:solidFill>
-                  <a:srgbClr val="000066"/>
-                </a:solidFill>
-                <a:ea typeface="Microsoft JhengHei" panose="020B0604030504040204" pitchFamily="34" charset="-120"/>
-              </a:rPr>
-              <a:t>)</a:t>
+              <a:t>( 2 / 3 )</a:t>
             </a:r>
             <a:endParaRPr lang="vi-VN" sz="3200" b="1" dirty="0">
               <a:solidFill>
@@ -7696,43 +7332,7 @@
                 </a:solidFill>
                 <a:ea typeface="Microsoft JhengHei" panose="020B0604030504040204" pitchFamily="34" charset="-120"/>
               </a:rPr>
-              <a:t>( </a:t>
-            </a:r>
-            <a:r>
-              <a:rPr lang="en-US" sz="3200" b="1" dirty="0">
-                <a:solidFill>
-                  <a:srgbClr val="000066"/>
-                </a:solidFill>
-                <a:ea typeface="Microsoft JhengHei" panose="020B0604030504040204" pitchFamily="34" charset="-120"/>
-              </a:rPr>
-              <a:t>2 </a:t>
-            </a:r>
-            <a:r>
-              <a:rPr lang="en-US" sz="3200" b="1" dirty="0">
-                <a:solidFill>
-                  <a:srgbClr val="000066"/>
-                </a:solidFill>
-                <a:ea typeface="Microsoft JhengHei" panose="020B0604030504040204" pitchFamily="34" charset="-120"/>
-              </a:rPr>
-              <a:t>/ </a:t>
-            </a:r>
-            <a:r>
-              <a:rPr lang="en-US" sz="3200" b="1" dirty="0">
-                <a:solidFill>
-                  <a:srgbClr val="000066"/>
-                </a:solidFill>
-                <a:ea typeface="Microsoft JhengHei" panose="020B0604030504040204" pitchFamily="34" charset="-120"/>
-              </a:rPr>
-              <a:t>3 </a:t>
-            </a:r>
-            <a:r>
-              <a:rPr lang="en-US" sz="3200" b="1" dirty="0">
-                <a:solidFill>
-                  <a:srgbClr val="000066"/>
-                </a:solidFill>
-                <a:ea typeface="Microsoft JhengHei" panose="020B0604030504040204" pitchFamily="34" charset="-120"/>
-              </a:rPr>
-              <a:t>)</a:t>
+              <a:t>( 2 / 3 )</a:t>
             </a:r>
             <a:endParaRPr lang="vi-VN" sz="3200" b="1" dirty="0">
               <a:solidFill>
@@ -7806,37 +7406,7 @@
                 <a:latin typeface="微軟正黑體" pitchFamily="34" charset="-120"/>
                 <a:ea typeface="微軟正黑體" pitchFamily="34" charset="-120"/>
               </a:rPr>
-              <a:t>心</a:t>
-            </a:r>
-            <a:r>
-              <a:rPr lang="zh-CN" altLang="en-US" sz="6400" b="1" dirty="0">
-                <a:solidFill>
-                  <a:srgbClr val="000066"/>
-                </a:solidFill>
-                <a:latin typeface="微軟正黑體" pitchFamily="34" charset="-120"/>
-                <a:ea typeface="微軟正黑體" pitchFamily="34" charset="-120"/>
-              </a:rPr>
-              <a:t>中歡</a:t>
-            </a:r>
-            <a:r>
-              <a:rPr lang="zh-CN" altLang="en-US" sz="6400" b="1" dirty="0">
-                <a:solidFill>
-                  <a:srgbClr val="000066"/>
-                </a:solidFill>
-                <a:latin typeface="微軟正黑體" pitchFamily="34" charset="-120"/>
-                <a:ea typeface="微軟正黑體" pitchFamily="34" charset="-120"/>
-              </a:rPr>
-              <a:t>欣  心</a:t>
-            </a:r>
-            <a:r>
-              <a:rPr lang="zh-CN" altLang="en-US" sz="6400" b="1" dirty="0">
-                <a:solidFill>
-                  <a:srgbClr val="000066"/>
-                </a:solidFill>
-                <a:latin typeface="微軟正黑體" pitchFamily="34" charset="-120"/>
-                <a:ea typeface="微軟正黑體" pitchFamily="34" charset="-120"/>
-              </a:rPr>
-              <a:t>中興奮</a:t>
+              <a:t>心中歡欣  心中興奮</a:t>
             </a:r>
             <a:endParaRPr lang="zh-CN" altLang="zh-TW" sz="6400" b="1" dirty="0">
               <a:solidFill>
@@ -8217,25 +7787,7 @@
                 </a:solidFill>
                 <a:ea typeface="Microsoft JhengHei" panose="020B0604030504040204" pitchFamily="34" charset="-120"/>
               </a:rPr>
-              <a:t>( 1 / </a:t>
-            </a:r>
-            <a:r>
-              <a:rPr lang="en-US" sz="3200" b="1" dirty="0">
-                <a:solidFill>
-                  <a:srgbClr val="000066"/>
-                </a:solidFill>
-                <a:ea typeface="Microsoft JhengHei" panose="020B0604030504040204" pitchFamily="34" charset="-120"/>
-              </a:rPr>
-              <a:t>3 </a:t>
-            </a:r>
-            <a:r>
-              <a:rPr lang="en-US" sz="3200" b="1" dirty="0">
-                <a:solidFill>
-                  <a:srgbClr val="000066"/>
-                </a:solidFill>
-                <a:ea typeface="Microsoft JhengHei" panose="020B0604030504040204" pitchFamily="34" charset="-120"/>
-              </a:rPr>
-              <a:t>)</a:t>
+              <a:t>( 1 / 3 )</a:t>
             </a:r>
             <a:endParaRPr lang="vi-VN" sz="3200" b="1" dirty="0">
               <a:solidFill>
@@ -8678,43 +8230,7 @@
                 </a:solidFill>
                 <a:ea typeface="Microsoft JhengHei" panose="020B0604030504040204" pitchFamily="34" charset="-120"/>
               </a:rPr>
-              <a:t>( </a:t>
-            </a:r>
-            <a:r>
-              <a:rPr lang="en-US" sz="3200" b="1" dirty="0">
-                <a:solidFill>
-                  <a:srgbClr val="000066"/>
-                </a:solidFill>
-                <a:ea typeface="Microsoft JhengHei" panose="020B0604030504040204" pitchFamily="34" charset="-120"/>
-              </a:rPr>
-              <a:t>2 </a:t>
-            </a:r>
-            <a:r>
-              <a:rPr lang="en-US" sz="3200" b="1" dirty="0">
-                <a:solidFill>
-                  <a:srgbClr val="000066"/>
-                </a:solidFill>
-                <a:ea typeface="Microsoft JhengHei" panose="020B0604030504040204" pitchFamily="34" charset="-120"/>
-              </a:rPr>
-              <a:t>/ </a:t>
-            </a:r>
-            <a:r>
-              <a:rPr lang="en-US" sz="3200" b="1" dirty="0">
-                <a:solidFill>
-                  <a:srgbClr val="000066"/>
-                </a:solidFill>
-                <a:ea typeface="Microsoft JhengHei" panose="020B0604030504040204" pitchFamily="34" charset="-120"/>
-              </a:rPr>
-              <a:t>3 </a:t>
-            </a:r>
-            <a:r>
-              <a:rPr lang="en-US" sz="3200" b="1" dirty="0">
-                <a:solidFill>
-                  <a:srgbClr val="000066"/>
-                </a:solidFill>
-                <a:ea typeface="Microsoft JhengHei" panose="020B0604030504040204" pitchFamily="34" charset="-120"/>
-              </a:rPr>
-              <a:t>)</a:t>
+              <a:t>( 2 / 3 )</a:t>
             </a:r>
             <a:endParaRPr lang="vi-VN" sz="3200" b="1" dirty="0">
               <a:solidFill>
@@ -9014,43 +8530,7 @@
                 </a:solidFill>
                 <a:ea typeface="Microsoft JhengHei" panose="020B0604030504040204" pitchFamily="34" charset="-120"/>
               </a:rPr>
-              <a:t>( </a:t>
-            </a:r>
-            <a:r>
-              <a:rPr lang="en-US" sz="3200" b="1" dirty="0">
-                <a:solidFill>
-                  <a:srgbClr val="000066"/>
-                </a:solidFill>
-                <a:ea typeface="Microsoft JhengHei" panose="020B0604030504040204" pitchFamily="34" charset="-120"/>
-              </a:rPr>
-              <a:t>2 </a:t>
-            </a:r>
-            <a:r>
-              <a:rPr lang="en-US" sz="3200" b="1" dirty="0">
-                <a:solidFill>
-                  <a:srgbClr val="000066"/>
-                </a:solidFill>
-                <a:ea typeface="Microsoft JhengHei" panose="020B0604030504040204" pitchFamily="34" charset="-120"/>
-              </a:rPr>
-              <a:t>/ </a:t>
-            </a:r>
-            <a:r>
-              <a:rPr lang="en-US" sz="3200" b="1" dirty="0">
-                <a:solidFill>
-                  <a:srgbClr val="000066"/>
-                </a:solidFill>
-                <a:ea typeface="Microsoft JhengHei" panose="020B0604030504040204" pitchFamily="34" charset="-120"/>
-              </a:rPr>
-              <a:t>3 </a:t>
-            </a:r>
-            <a:r>
-              <a:rPr lang="en-US" sz="3200" b="1" dirty="0">
-                <a:solidFill>
-                  <a:srgbClr val="000066"/>
-                </a:solidFill>
-                <a:ea typeface="Microsoft JhengHei" panose="020B0604030504040204" pitchFamily="34" charset="-120"/>
-              </a:rPr>
-              <a:t>)</a:t>
+              <a:t>( 2 / 3 )</a:t>
             </a:r>
             <a:endParaRPr lang="vi-VN" sz="3200" b="1" dirty="0">
               <a:solidFill>
@@ -9124,37 +8604,7 @@
                 <a:latin typeface="微軟正黑體" pitchFamily="34" charset="-120"/>
                 <a:ea typeface="微軟正黑體" pitchFamily="34" charset="-120"/>
               </a:rPr>
-              <a:t>心</a:t>
-            </a:r>
-            <a:r>
-              <a:rPr lang="zh-CN" altLang="en-US" sz="6400" b="1" dirty="0">
-                <a:solidFill>
-                  <a:srgbClr val="000066"/>
-                </a:solidFill>
-                <a:latin typeface="微軟正黑體" pitchFamily="34" charset="-120"/>
-                <a:ea typeface="微軟正黑體" pitchFamily="34" charset="-120"/>
-              </a:rPr>
-              <a:t>中歡</a:t>
-            </a:r>
-            <a:r>
-              <a:rPr lang="zh-CN" altLang="en-US" sz="6400" b="1" dirty="0">
-                <a:solidFill>
-                  <a:srgbClr val="000066"/>
-                </a:solidFill>
-                <a:latin typeface="微軟正黑體" pitchFamily="34" charset="-120"/>
-                <a:ea typeface="微軟正黑體" pitchFamily="34" charset="-120"/>
-              </a:rPr>
-              <a:t>欣  心</a:t>
-            </a:r>
-            <a:r>
-              <a:rPr lang="zh-CN" altLang="en-US" sz="6400" b="1" dirty="0">
-                <a:solidFill>
-                  <a:srgbClr val="000066"/>
-                </a:solidFill>
-                <a:latin typeface="微軟正黑體" pitchFamily="34" charset="-120"/>
-                <a:ea typeface="微軟正黑體" pitchFamily="34" charset="-120"/>
-              </a:rPr>
-              <a:t>中興奮</a:t>
+              <a:t>心中歡欣  心中興奮</a:t>
             </a:r>
             <a:endParaRPr lang="zh-CN" altLang="zh-TW" sz="6400" b="1" dirty="0">
               <a:solidFill>
@@ -9535,43 +8985,7 @@
                 </a:solidFill>
                 <a:ea typeface="Microsoft JhengHei" panose="020B0604030504040204" pitchFamily="34" charset="-120"/>
               </a:rPr>
-              <a:t>( </a:t>
-            </a:r>
-            <a:r>
-              <a:rPr lang="en-US" sz="3200" b="1" dirty="0">
-                <a:solidFill>
-                  <a:srgbClr val="000066"/>
-                </a:solidFill>
-                <a:ea typeface="Microsoft JhengHei" panose="020B0604030504040204" pitchFamily="34" charset="-120"/>
-              </a:rPr>
-              <a:t>3 </a:t>
-            </a:r>
-            <a:r>
-              <a:rPr lang="en-US" sz="3200" b="1" dirty="0">
-                <a:solidFill>
-                  <a:srgbClr val="000066"/>
-                </a:solidFill>
-                <a:ea typeface="Microsoft JhengHei" panose="020B0604030504040204" pitchFamily="34" charset="-120"/>
-              </a:rPr>
-              <a:t>/ </a:t>
-            </a:r>
-            <a:r>
-              <a:rPr lang="en-US" sz="3200" b="1" dirty="0">
-                <a:solidFill>
-                  <a:srgbClr val="000066"/>
-                </a:solidFill>
-                <a:ea typeface="Microsoft JhengHei" panose="020B0604030504040204" pitchFamily="34" charset="-120"/>
-              </a:rPr>
-              <a:t>3 </a:t>
-            </a:r>
-            <a:r>
-              <a:rPr lang="en-US" sz="3200" b="1" dirty="0">
-                <a:solidFill>
-                  <a:srgbClr val="000066"/>
-                </a:solidFill>
-                <a:ea typeface="Microsoft JhengHei" panose="020B0604030504040204" pitchFamily="34" charset="-120"/>
-              </a:rPr>
-              <a:t>)</a:t>
+              <a:t>( 3 / 3 )</a:t>
             </a:r>
             <a:endParaRPr lang="vi-VN" sz="3200" b="1" dirty="0">
               <a:solidFill>
@@ -10003,43 +9417,7 @@
                 </a:solidFill>
                 <a:ea typeface="Microsoft JhengHei" panose="020B0604030504040204" pitchFamily="34" charset="-120"/>
               </a:rPr>
-              <a:t>( </a:t>
-            </a:r>
-            <a:r>
-              <a:rPr lang="en-US" sz="3200" b="1" dirty="0">
-                <a:solidFill>
-                  <a:srgbClr val="000066"/>
-                </a:solidFill>
-                <a:ea typeface="Microsoft JhengHei" panose="020B0604030504040204" pitchFamily="34" charset="-120"/>
-              </a:rPr>
-              <a:t>3 </a:t>
-            </a:r>
-            <a:r>
-              <a:rPr lang="en-US" sz="3200" b="1" dirty="0">
-                <a:solidFill>
-                  <a:srgbClr val="000066"/>
-                </a:solidFill>
-                <a:ea typeface="Microsoft JhengHei" panose="020B0604030504040204" pitchFamily="34" charset="-120"/>
-              </a:rPr>
-              <a:t>/ </a:t>
-            </a:r>
-            <a:r>
-              <a:rPr lang="en-US" sz="3200" b="1" dirty="0">
-                <a:solidFill>
-                  <a:srgbClr val="000066"/>
-                </a:solidFill>
-                <a:ea typeface="Microsoft JhengHei" panose="020B0604030504040204" pitchFamily="34" charset="-120"/>
-              </a:rPr>
-              <a:t>3 </a:t>
-            </a:r>
-            <a:r>
-              <a:rPr lang="en-US" sz="3200" b="1" dirty="0">
-                <a:solidFill>
-                  <a:srgbClr val="000066"/>
-                </a:solidFill>
-                <a:ea typeface="Microsoft JhengHei" panose="020B0604030504040204" pitchFamily="34" charset="-120"/>
-              </a:rPr>
-              <a:t>)</a:t>
+              <a:t>( 3 / 3 )</a:t>
             </a:r>
             <a:endParaRPr lang="vi-VN" sz="3200" b="1" dirty="0">
               <a:solidFill>
@@ -12549,25 +11927,7 @@
                 </a:solidFill>
                 <a:ea typeface="Microsoft JhengHei" panose="020B0604030504040204" pitchFamily="34" charset="-120"/>
               </a:rPr>
-              <a:t>( 1 / </a:t>
-            </a:r>
-            <a:r>
-              <a:rPr lang="en-US" sz="3200" b="1" dirty="0">
-                <a:solidFill>
-                  <a:srgbClr val="000066"/>
-                </a:solidFill>
-                <a:ea typeface="Microsoft JhengHei" panose="020B0604030504040204" pitchFamily="34" charset="-120"/>
-              </a:rPr>
-              <a:t>3 </a:t>
-            </a:r>
-            <a:r>
-              <a:rPr lang="en-US" sz="3200" b="1" dirty="0">
-                <a:solidFill>
-                  <a:srgbClr val="000066"/>
-                </a:solidFill>
-                <a:ea typeface="Microsoft JhengHei" panose="020B0604030504040204" pitchFamily="34" charset="-120"/>
-              </a:rPr>
-              <a:t>)</a:t>
+              <a:t>( 1 / 3 )</a:t>
             </a:r>
             <a:endParaRPr lang="vi-VN" sz="3200" b="1" dirty="0">
               <a:solidFill>
@@ -13167,43 +12527,7 @@
                 </a:solidFill>
                 <a:ea typeface="Microsoft JhengHei" panose="020B0604030504040204" pitchFamily="34" charset="-120"/>
               </a:rPr>
-              <a:t>( </a:t>
-            </a:r>
-            <a:r>
-              <a:rPr lang="en-US" sz="3200" b="1" dirty="0">
-                <a:solidFill>
-                  <a:srgbClr val="000066"/>
-                </a:solidFill>
-                <a:ea typeface="Microsoft JhengHei" panose="020B0604030504040204" pitchFamily="34" charset="-120"/>
-              </a:rPr>
-              <a:t>3 </a:t>
-            </a:r>
-            <a:r>
-              <a:rPr lang="en-US" sz="3200" b="1" dirty="0">
-                <a:solidFill>
-                  <a:srgbClr val="000066"/>
-                </a:solidFill>
-                <a:ea typeface="Microsoft JhengHei" panose="020B0604030504040204" pitchFamily="34" charset="-120"/>
-              </a:rPr>
-              <a:t>/ </a:t>
-            </a:r>
-            <a:r>
-              <a:rPr lang="en-US" sz="3200" b="1" dirty="0">
-                <a:solidFill>
-                  <a:srgbClr val="000066"/>
-                </a:solidFill>
-                <a:ea typeface="Microsoft JhengHei" panose="020B0604030504040204" pitchFamily="34" charset="-120"/>
-              </a:rPr>
-              <a:t>3 </a:t>
-            </a:r>
-            <a:r>
-              <a:rPr lang="en-US" sz="3200" b="1" dirty="0">
-                <a:solidFill>
-                  <a:srgbClr val="000066"/>
-                </a:solidFill>
-                <a:ea typeface="Microsoft JhengHei" panose="020B0604030504040204" pitchFamily="34" charset="-120"/>
-              </a:rPr>
-              <a:t>)</a:t>
+              <a:t>( 3 / 3 )</a:t>
             </a:r>
             <a:endParaRPr lang="vi-VN" sz="3200" b="1" dirty="0">
               <a:solidFill>
@@ -13658,25 +12982,7 @@
                 </a:solidFill>
                 <a:ea typeface="Microsoft JhengHei" panose="020B0604030504040204" pitchFamily="34" charset="-120"/>
               </a:rPr>
-              <a:t>( 1 / </a:t>
-            </a:r>
-            <a:r>
-              <a:rPr lang="en-US" sz="3200" b="1" dirty="0">
-                <a:solidFill>
-                  <a:srgbClr val="000066"/>
-                </a:solidFill>
-                <a:ea typeface="Microsoft JhengHei" panose="020B0604030504040204" pitchFamily="34" charset="-120"/>
-              </a:rPr>
-              <a:t>3 </a:t>
-            </a:r>
-            <a:r>
-              <a:rPr lang="en-US" sz="3200" b="1" dirty="0">
-                <a:solidFill>
-                  <a:srgbClr val="000066"/>
-                </a:solidFill>
-                <a:ea typeface="Microsoft JhengHei" panose="020B0604030504040204" pitchFamily="34" charset="-120"/>
-              </a:rPr>
-              <a:t>)</a:t>
+              <a:t>( 1 / 3 )</a:t>
             </a:r>
             <a:endParaRPr lang="vi-VN" sz="3200" b="1" dirty="0">
               <a:solidFill>
@@ -13988,25 +13294,7 @@
                 </a:solidFill>
                 <a:ea typeface="Microsoft JhengHei" panose="020B0604030504040204" pitchFamily="34" charset="-120"/>
               </a:rPr>
-              <a:t>( 1 / </a:t>
-            </a:r>
-            <a:r>
-              <a:rPr lang="en-US" sz="3200" b="1" dirty="0">
-                <a:solidFill>
-                  <a:srgbClr val="000066"/>
-                </a:solidFill>
-                <a:ea typeface="Microsoft JhengHei" panose="020B0604030504040204" pitchFamily="34" charset="-120"/>
-              </a:rPr>
-              <a:t>3 </a:t>
-            </a:r>
-            <a:r>
-              <a:rPr lang="en-US" sz="3200" b="1" dirty="0">
-                <a:solidFill>
-                  <a:srgbClr val="000066"/>
-                </a:solidFill>
-                <a:ea typeface="Microsoft JhengHei" panose="020B0604030504040204" pitchFamily="34" charset="-120"/>
-              </a:rPr>
-              <a:t>)</a:t>
+              <a:t>( 1 / 3 )</a:t>
             </a:r>
             <a:endParaRPr lang="vi-VN" sz="3200" b="1" dirty="0">
               <a:solidFill>
@@ -14307,25 +13595,7 @@
                 </a:solidFill>
                 <a:ea typeface="Microsoft JhengHei" panose="020B0604030504040204" pitchFamily="34" charset="-120"/>
               </a:rPr>
-              <a:t>( 1 / </a:t>
-            </a:r>
-            <a:r>
-              <a:rPr lang="en-US" sz="3200" b="1" dirty="0">
-                <a:solidFill>
-                  <a:srgbClr val="000066"/>
-                </a:solidFill>
-                <a:ea typeface="Microsoft JhengHei" panose="020B0604030504040204" pitchFamily="34" charset="-120"/>
-              </a:rPr>
-              <a:t>3 </a:t>
-            </a:r>
-            <a:r>
-              <a:rPr lang="en-US" sz="3200" b="1" dirty="0">
-                <a:solidFill>
-                  <a:srgbClr val="000066"/>
-                </a:solidFill>
-                <a:ea typeface="Microsoft JhengHei" panose="020B0604030504040204" pitchFamily="34" charset="-120"/>
-              </a:rPr>
-              <a:t>)</a:t>
+              <a:t>( 1 / 3 )</a:t>
             </a:r>
             <a:endParaRPr lang="vi-VN" sz="3200" b="1" dirty="0">
               <a:solidFill>
@@ -14626,25 +13896,7 @@
                 </a:solidFill>
                 <a:ea typeface="Microsoft JhengHei" panose="020B0604030504040204" pitchFamily="34" charset="-120"/>
               </a:rPr>
-              <a:t>( 1 / </a:t>
-            </a:r>
-            <a:r>
-              <a:rPr lang="en-US" sz="3200" b="1" dirty="0">
-                <a:solidFill>
-                  <a:srgbClr val="000066"/>
-                </a:solidFill>
-                <a:ea typeface="Microsoft JhengHei" panose="020B0604030504040204" pitchFamily="34" charset="-120"/>
-              </a:rPr>
-              <a:t>3 </a:t>
-            </a:r>
-            <a:r>
-              <a:rPr lang="en-US" sz="3200" b="1" dirty="0">
-                <a:solidFill>
-                  <a:srgbClr val="000066"/>
-                </a:solidFill>
-                <a:ea typeface="Microsoft JhengHei" panose="020B0604030504040204" pitchFamily="34" charset="-120"/>
-              </a:rPr>
-              <a:t>)</a:t>
+              <a:t>( 1 / 3 )</a:t>
             </a:r>
             <a:endParaRPr lang="vi-VN" sz="3200" b="1" dirty="0">
               <a:solidFill>
@@ -14944,25 +14196,7 @@
                 </a:solidFill>
                 <a:ea typeface="Microsoft JhengHei" panose="020B0604030504040204" pitchFamily="34" charset="-120"/>
               </a:rPr>
-              <a:t>( 1 / </a:t>
-            </a:r>
-            <a:r>
-              <a:rPr lang="en-US" sz="3200" b="1" dirty="0">
-                <a:solidFill>
-                  <a:srgbClr val="000066"/>
-                </a:solidFill>
-                <a:ea typeface="Microsoft JhengHei" panose="020B0604030504040204" pitchFamily="34" charset="-120"/>
-              </a:rPr>
-              <a:t>3 </a:t>
-            </a:r>
-            <a:r>
-              <a:rPr lang="en-US" sz="3200" b="1" dirty="0">
-                <a:solidFill>
-                  <a:srgbClr val="000066"/>
-                </a:solidFill>
-                <a:ea typeface="Microsoft JhengHei" panose="020B0604030504040204" pitchFamily="34" charset="-120"/>
-              </a:rPr>
-              <a:t>)</a:t>
+              <a:t>( 1 / 3 )</a:t>
             </a:r>
             <a:endParaRPr lang="vi-VN" sz="3200" b="1" dirty="0">
               <a:solidFill>
@@ -15262,25 +14496,7 @@
                 </a:solidFill>
                 <a:ea typeface="Microsoft JhengHei" panose="020B0604030504040204" pitchFamily="34" charset="-120"/>
               </a:rPr>
-              <a:t>( 1 / </a:t>
-            </a:r>
-            <a:r>
-              <a:rPr lang="en-US" sz="3200" b="1" dirty="0">
-                <a:solidFill>
-                  <a:srgbClr val="000066"/>
-                </a:solidFill>
-                <a:ea typeface="Microsoft JhengHei" panose="020B0604030504040204" pitchFamily="34" charset="-120"/>
-              </a:rPr>
-              <a:t>3 </a:t>
-            </a:r>
-            <a:r>
-              <a:rPr lang="en-US" sz="3200" b="1" dirty="0">
-                <a:solidFill>
-                  <a:srgbClr val="000066"/>
-                </a:solidFill>
-                <a:ea typeface="Microsoft JhengHei" panose="020B0604030504040204" pitchFamily="34" charset="-120"/>
-              </a:rPr>
-              <a:t>)</a:t>
+              <a:t>( 1 / 3 )</a:t>
             </a:r>
             <a:endParaRPr lang="vi-VN" sz="3200" b="1" dirty="0">
               <a:solidFill>
